--- a/heey.pptx
+++ b/heey.pptx
@@ -110,6 +110,203 @@
     </p:ext>
   </p:extLst>
 </p:presentation>
+</file>
+
+<file path=ppt/ink/ink1.xml><?xml version="1.0" encoding="utf-8"?>
+<inkml:ink xmlns:inkml="http://www.w3.org/2003/InkML">
+  <inkml:definitions>
+    <inkml:context xml:id="ctx0">
+      <inkml:inkSource xml:id="inkSrc0">
+        <inkml:traceFormat>
+          <inkml:channel name="X" type="integer" min="-2.14748E9" max="2.14748E9" units="cm"/>
+          <inkml:channel name="Y" type="integer" min="-2.14748E9" max="2.14748E9" units="cm"/>
+          <inkml:channel name="F" type="integer" max="32767" units="dev"/>
+        </inkml:traceFormat>
+        <inkml:channelProperties>
+          <inkml:channelProperty channel="X" name="resolution" value="1000" units="1/cm"/>
+          <inkml:channelProperty channel="Y" name="resolution" value="1000" units="1/cm"/>
+          <inkml:channelProperty channel="F" name="resolution" value="0" units="1/dev"/>
+        </inkml:channelProperties>
+      </inkml:inkSource>
+      <inkml:timestamp xml:id="ts0" timeString="2023-01-12T11:48:13.911"/>
+    </inkml:context>
+    <inkml:brush xml:id="br0">
+      <inkml:brushProperty name="width" value="0.05" units="cm"/>
+      <inkml:brushProperty name="height" value="0.05" units="cm"/>
+      <inkml:brushProperty name="color" value="#E71224"/>
+    </inkml:brush>
+  </inkml:definitions>
+  <inkml:trace contextRef="#ctx0" brushRef="#br0">1 1 24575,'156'114'0,"247"194"0,168 168 0,78 98-9830,-10 33 8340,-52 7-665,-79-15 2155,-82-48-396,-81-60 396,-85-71-411,-72-60 411,-54-67 0,-44-69 0,-30-68 0,-23-51 0,-19-39 3069,-12-30-47</inkml:trace>
+</inkml:ink>
+</file>
+
+<file path=ppt/ink/ink2.xml><?xml version="1.0" encoding="utf-8"?>
+<inkml:ink xmlns:inkml="http://www.w3.org/2003/InkML">
+  <inkml:definitions>
+    <inkml:context xml:id="ctx0">
+      <inkml:inkSource xml:id="inkSrc0">
+        <inkml:traceFormat>
+          <inkml:channel name="X" type="integer" min="-2.14748E9" max="2.14748E9" units="cm"/>
+          <inkml:channel name="Y" type="integer" min="-2.14748E9" max="2.14748E9" units="cm"/>
+          <inkml:channel name="F" type="integer" max="32767" units="dev"/>
+        </inkml:traceFormat>
+        <inkml:channelProperties>
+          <inkml:channelProperty channel="X" name="resolution" value="1000" units="1/cm"/>
+          <inkml:channelProperty channel="Y" name="resolution" value="1000" units="1/cm"/>
+          <inkml:channelProperty channel="F" name="resolution" value="0" units="1/dev"/>
+        </inkml:channelProperties>
+      </inkml:inkSource>
+      <inkml:timestamp xml:id="ts0" timeString="2023-01-12T11:48:15.546"/>
+    </inkml:context>
+    <inkml:brush xml:id="br0">
+      <inkml:brushProperty name="width" value="0.05" units="cm"/>
+      <inkml:brushProperty name="height" value="0.05" units="cm"/>
+      <inkml:brushProperty name="color" value="#E71224"/>
+    </inkml:brush>
+  </inkml:definitions>
+  <inkml:trace contextRef="#ctx0" brushRef="#br0">0 4403 24575,'100'-136'0,"132"-167"0,108-133-1638,63-73-5315,221-262 4662,-49 60 2425,-523 647 121,222-285-68,-35-10 262,-201 291 1649,-2-1 0,25-75-1,-57 136-1872,-2 0-1,1 0 0,-1 0 1,0 0-1,-1-1 0,0 1 1,0-1-1,-1 1 1,-1-16-1,0 19-146,0 0-1,-1 0 1,0 0 0,0 0-1,0 0 1,0 0 0,-1 1-1,0-1 1,0 1 0,0-1-1,0 1 1,-1 0 0,0 1-1,1-1 1,-1 0 0,-7-3-1,-164-101-77,46 32 0,110 64 0,0 2 0,-1 0 0,0 1 0,-1 0 0,0 2 0,0 1 0,-39-7 0,38 8 0,-41-14 0,8 2 0,52 16 0,-17-4 0,28 15 0,29 19 0,203 141 0,232 170-1130,188 143-3393,686 546 533,-24 56-27,-931-737 3377,-115-85-48,2 34 2712,-262-277-1703,-12-15-32,1 0 0,0 0 0,-1 1 0,0-1 0,-1 1 0,1 0 0,-1 0 0,0 1 0,0-1 0,-1 1 0,2 8-1,-8-1 697</inkml:trace>
+</inkml:ink>
+</file>
+
+<file path=ppt/ink/ink3.xml><?xml version="1.0" encoding="utf-8"?>
+<inkml:ink xmlns:inkml="http://www.w3.org/2003/InkML">
+  <inkml:definitions>
+    <inkml:context xml:id="ctx0">
+      <inkml:inkSource xml:id="inkSrc0">
+        <inkml:traceFormat>
+          <inkml:channel name="X" type="integer" min="-2.14748E9" max="2.14748E9" units="cm"/>
+          <inkml:channel name="Y" type="integer" min="-2.14748E9" max="2.14748E9" units="cm"/>
+          <inkml:channel name="F" type="integer" max="32767" units="dev"/>
+        </inkml:traceFormat>
+        <inkml:channelProperties>
+          <inkml:channelProperty channel="X" name="resolution" value="1000" units="1/cm"/>
+          <inkml:channelProperty channel="Y" name="resolution" value="1000" units="1/cm"/>
+          <inkml:channelProperty channel="F" name="resolution" value="0" units="1/dev"/>
+        </inkml:channelProperties>
+      </inkml:inkSource>
+      <inkml:timestamp xml:id="ts0" timeString="2023-01-12T11:48:16.984"/>
+    </inkml:context>
+    <inkml:brush xml:id="br0">
+      <inkml:brushProperty name="width" value="0.05" units="cm"/>
+      <inkml:brushProperty name="height" value="0.05" units="cm"/>
+      <inkml:brushProperty name="color" value="#E71224"/>
+    </inkml:brush>
+  </inkml:definitions>
+  <inkml:trace contextRef="#ctx0" brushRef="#br0">2173 1896 24575,'4'-6'0,"0"1"0,0-1 0,0 1 0,1 0 0,0 0 0,0 1 0,7-6 0,12-11 0,-2-2 0,-1 0 0,-1-2 0,-1 0 0,-1-1 0,-1-1 0,-2 0 0,0-1 0,-2-1 0,-2 0 0,0-1 0,-2 0 0,-1-1 0,-2 0 0,0 0 0,0-33 0,-5-8 0,-3 1 0,-3-1 0,-3 1 0,-3 0 0,-4 0 0,-2 1 0,-3 1 0,-4 2 0,-2 0 0,-3 1 0,-56-91 0,65 125 0,0 2 0,-2 1 0,-1 1 0,-1 0 0,-1 2 0,-2 1 0,0 1 0,-2 1 0,0 2 0,-1 1 0,-2 1 0,0 2 0,0 1 0,-2 1 0,-46-13 0,27 15-80,1 2-1,-1 2 1,-1 3-1,1 2 1,-1 2-1,0 3 1,0 2-1,1 2 1,-1 3-1,2 2 0,-1 2 1,1 3-1,1 2 1,1 2-1,1 2 1,-62 36-1,48-19 85,1 2 0,2 4-1,2 1 1,2 3 0,2 3-1,3 2 1,2 2 0,-54 78 0,74-90-36,1 2 0,3 1 0,1 0 1,3 2-1,1 1 0,3 1 0,2 0 1,2 1-1,3 0 0,1 1 1,3 0-1,1 80 0,11-47-244,3 1 0,5-2-1,3 0 1,3-1 0,4 0-1,41 92 1,-15-62 286,5-3-1,4-2 1,129 175 0,-119-195 1,3-3 0,4-3 1,114 94-1,-129-126-163,2-3-1,2-3 0,2-3 0,1-3 1,114 45-1,-141-67 131,0-3 0,0-1 0,2-2 1,-1-2-1,1-1 0,0-3 0,0-1 0,1-3 0,-1-1 0,0-2 1,0-2-1,0-2 0,0-2 0,62-21 0,-64 14 379,-1-1 1,-1-2-1,0-1 0,-2-2 0,0-2 0,-2-1 0,-1-2 0,-1-2 1,-1 0-1,-1-3 0,-2 0 0,31-46 0,0 2-1523,-53 63-5660</inkml:trace>
+</inkml:ink>
+</file>
+
+<file path=ppt/ink/ink4.xml><?xml version="1.0" encoding="utf-8"?>
+<inkml:ink xmlns:inkml="http://www.w3.org/2003/InkML">
+  <inkml:definitions>
+    <inkml:context xml:id="ctx0">
+      <inkml:inkSource xml:id="inkSrc0">
+        <inkml:traceFormat>
+          <inkml:channel name="X" type="integer" min="-2.14748E9" max="2.14748E9" units="cm"/>
+          <inkml:channel name="Y" type="integer" min="-2.14748E9" max="2.14748E9" units="cm"/>
+          <inkml:channel name="F" type="integer" max="32767" units="dev"/>
+        </inkml:traceFormat>
+        <inkml:channelProperties>
+          <inkml:channelProperty channel="X" name="resolution" value="1000" units="1/cm"/>
+          <inkml:channelProperty channel="Y" name="resolution" value="1000" units="1/cm"/>
+          <inkml:channelProperty channel="F" name="resolution" value="0" units="1/dev"/>
+        </inkml:channelProperties>
+      </inkml:inkSource>
+      <inkml:timestamp xml:id="ts0" timeString="2023-01-12T11:48:19.538"/>
+    </inkml:context>
+    <inkml:brush xml:id="br0">
+      <inkml:brushProperty name="width" value="0.05" units="cm"/>
+      <inkml:brushProperty name="height" value="0.05" units="cm"/>
+      <inkml:brushProperty name="color" value="#E71224"/>
+    </inkml:brush>
+  </inkml:definitions>
+  <inkml:trace contextRef="#ctx0" brushRef="#br0">2024 1722 24575,'273'-231'0,"5"-4"0,-21-17 0,-231 223 0,-1 0 0,-2-2 0,-1-1 0,24-46 0,-38 62 0,-1 0 0,-1-1 0,0 1 0,-1-1 0,-1-1 0,0 1 0,-2-1 0,0 0 0,-1 1 0,0-1 0,-4-30 0,0 26-2,-2-1 0,0 1-1,-1 0 1,-1 0-1,-1 1 1,-2 0 0,0 0-1,0 1 1,-26-35 0,18 33 9,-1 0 0,0 2 1,-2 0-1,0 1 0,-2 1 1,0 1-1,-31-17 0,7 10-55,-1 2-1,-1 2 1,-1 2-1,-1 2 1,0 3-1,-1 2 1,0 2-1,-75-3 1,25 9-326,-1 5 0,1 5 1,0 4-1,1 4 0,0 5 1,-190 63-1,193-47 86,1 5 0,1 4 1,3 4-1,2 3 0,3 5 1,-148 124-1,182-132 184,2 2-1,2 3 1,3 2-1,2 2 1,2 2-1,-37 70 1,61-94 48,2 1-1,1 0 1,2 1 0,1 0 0,2 1-1,2 1 1,1-1 0,2 2 0,2-1-1,2 0 1,2 1 0,7 62 0,1-55 56,3 0 0,2 0 0,2-1 0,2-1 0,2 0 0,44 74 0,-19-49 0,3-2 0,3-2 0,69 70 0,-54-70-1,3-2 0,3-4 0,2-3 0,2-3 1,160 86-1,-173-110-77,1-3 1,2-3-1,0-2 1,1-4-1,1-2 1,1-4-1,0-2 1,120 3-1,-130-16 75,1-3-1,-2-2 0,1-3 1,-1-2-1,-1-3 0,55-22 0,2-8 165,191-107-1,-226 107 1286,-2-4 0,82-69 0,-130 96-1412,-9 9-5696</inkml:trace>
+</inkml:ink>
+</file>
+
+<file path=ppt/ink/ink5.xml><?xml version="1.0" encoding="utf-8"?>
+<inkml:ink xmlns:inkml="http://www.w3.org/2003/InkML">
+  <inkml:definitions>
+    <inkml:context xml:id="ctx0">
+      <inkml:inkSource xml:id="inkSrc0">
+        <inkml:traceFormat>
+          <inkml:channel name="X" type="integer" min="-2.14748E9" max="2.14748E9" units="cm"/>
+          <inkml:channel name="Y" type="integer" min="-2.14748E9" max="2.14748E9" units="cm"/>
+          <inkml:channel name="F" type="integer" max="32767" units="dev"/>
+        </inkml:traceFormat>
+        <inkml:channelProperties>
+          <inkml:channelProperty channel="X" name="resolution" value="1000" units="1/cm"/>
+          <inkml:channelProperty channel="Y" name="resolution" value="1000" units="1/cm"/>
+          <inkml:channelProperty channel="F" name="resolution" value="0" units="1/dev"/>
+        </inkml:channelProperties>
+      </inkml:inkSource>
+      <inkml:timestamp xml:id="ts0" timeString="2023-01-12T11:48:21.124"/>
+    </inkml:context>
+    <inkml:brush xml:id="br0">
+      <inkml:brushProperty name="width" value="0.05" units="cm"/>
+      <inkml:brushProperty name="height" value="0.05" units="cm"/>
+      <inkml:brushProperty name="color" value="#E71224"/>
+    </inkml:brush>
+  </inkml:definitions>
+  <inkml:trace contextRef="#ctx0" brushRef="#br0">10377 4527 24575,'189'106'0,"177"125"0,172 143-1638,149 129-5039,7 18 4886,-296-220 2007,40 21-216,-102-99 0,-289-196 91,1-1 1,1-3-1,62 21 1,-97-39 26,0-1-1,0 0 1,1-2 0,-1 1 0,1-2 0,0 1 0,-1-2-1,1 0 1,0-1 0,-1-1 0,22-4 0,-24 2-90,0-1-1,-1-1 1,0 1 0,1-2 0,-2 1-1,1-2 1,-1 1 0,0-2 0,-1 1 0,0-1-1,0 0 1,-1-1 0,0 0 0,6-11-1,12-21-27,-3 0 0,-1-2 0,-3 0 0,27-88 0,66-370-386,-28-167-1161,-31-141 582,-58-1330-2239,-160 1 1908,134 1867 2157,24 217-730,4 22 420,-1 0-1,-2 1 1,-1-1-1,-13-35 1,20 67-489,-1-1 0,1 1 0,0 0 0,-1-1 0,1 1 0,-1 0 0,1 0 0,-1-1 0,0 1 0,1 0 0,-1 0 1,0 0-1,0 0 0,0 0 0,0 0 0,0 0 0,0 0 0,0 0 0,0 1 0,0-1 0,0 0 0,-1 1 0,-1-2 0,2 3 83,-1 0-1,1 1 1,0-1-1,-1 0 1,1 1-1,0-1 1,0 1-1,0-1 1,0 1-1,0-1 1,0 1-1,1 0 1,-1-1-1,0 1 0,1 0 1,-1-1-1,1 1 1,0 0-1,0 0 1,0 2-1,-5 27 122,2-1 0,2 48 0,21 267-266,53 299-333,45 257-1001,630 3987-5327,-635-4235 6661,-13-147-142,-13-131-422,-15-115 840,-52-196 635,4-1-1,40 78 0,-13-55 3264,-51-86-4096,0 0 1,1 0-1,-1 0 1,0 1-1,0-1 0,0 0 1,0 0-1,1 1 1,-1-1-1,0 0 1,0 0-1,0 1 0,0-1 1,0 0-1,0 0 1,0 1-1,0-1 1,0 0-1,0 1 1,0-1-1,0 0 0,0 0 1,0 1-1,0-1 1,0 0-1,0 0 1,0 1-1,0-1 1,0 0-1,0 1 0,-1-1 1,1 0-1,0 0 1,0 1-1,0-1 1,0 0-1,-1 0 1,1 0-1,0 1 0,0-1 1,0 0-1,-1 0 1,1 0-1,0 0 1,0 1-1,-1-1 0,1 0 1,-1 0-1,-45 7 1349,-124 16 434,-249 35-1395,-303 46-1550,-306 40-3250,-221 29 2494,-156 20-1184,-892 143 685,12 92 549,803-62 438,126 31 1014,209-11 338,240-44 0,226-51 0,205-55 209,178-62 626,137-60 530,136-93 1526,-26 29 1</inkml:trace>
+</inkml:ink>
+</file>
+
+<file path=ppt/ink/ink6.xml><?xml version="1.0" encoding="utf-8"?>
+<inkml:ink xmlns:inkml="http://www.w3.org/2003/InkML">
+  <inkml:definitions>
+    <inkml:context xml:id="ctx0">
+      <inkml:inkSource xml:id="inkSrc0">
+        <inkml:traceFormat>
+          <inkml:channel name="X" type="integer" min="-2.14748E9" max="2.14748E9" units="cm"/>
+          <inkml:channel name="Y" type="integer" min="-2.14748E9" max="2.14748E9" units="cm"/>
+        </inkml:traceFormat>
+        <inkml:channelProperties>
+          <inkml:channelProperty channel="X" name="resolution" value="1000" units="1/cm"/>
+          <inkml:channelProperty channel="Y" name="resolution" value="1000" units="1/cm"/>
+        </inkml:channelProperties>
+      </inkml:inkSource>
+      <inkml:timestamp xml:id="ts0" timeString="2023-01-12T11:48:31.503"/>
+    </inkml:context>
+    <inkml:brush xml:id="br0">
+      <inkml:brushProperty name="width" value="0.1" units="cm"/>
+      <inkml:brushProperty name="height" value="0.6" units="cm"/>
+      <inkml:brushProperty name="color" value="#849398"/>
+      <inkml:brushProperty name="ignorePressure" value="1"/>
+      <inkml:brushProperty name="inkEffects" value="pencil"/>
+    </inkml:brush>
+  </inkml:definitions>
+  <inkml:trace contextRef="#ctx0" brushRef="#br0">3231 6770,'-14'123,"-15"321,12 284,24 204,34 89,38-32,25-77,23-88,19-56,8-83,1-96,-6-106,-14-101,-17-88,-17-64,-28-63,-20-55,-20-41,-15-28,-6-22,5-24,32-49,131-158,263-342,227-296,180-289,74-140,31-47,53-61,21-36,-80 105,-90 129,-141 209,-158 238,-141 197,-128 172,-104 139,-84 105,-54 69,-36 49,-25 27,-14 9,-18 1,-59-5,-219 3,-350 55,-279 79,-210 108,-84 84,-33 101,-57 153,-23 160,71 77,150 13,136 24,129 4,165-91,169-120,153-120,128-127,102-127,78-108,51-92,51-68,275-48,473 45,398 98,470 166,317 157,224 138,73 52,-133-46,-371-124,-444-141,-422-131,-355-104,-264-68,-177-42,-104-24,-63-38,-109-100,-188-205,-221-237,-274-278,-194-223,-152-230,-42-151,0-137,51-94,90-42,177 168,239 337,234 372,196 342,168 276,206 286,242 312,224 325,332 490,342 514,158 246,26 35,-88-101,-209-272,-277-371,-280-368,-237-317,-181-244,-130-165,-145-140,-215-185,-310-294,-259-281,-210-262,-241-353,-119-266,73-26,251 223,311 351,303 370,267 321,268 290,250 239,261 235,320 320,361 419,172 254,39 113,-38 40,-114-91,-231-239,-274-298,-255-284,-211-268,-190-324,-196-363,-184-381,-223-475,-252-662,-233-673,54 106</inkml:trace>
+</inkml:ink>
+</file>
+
+<file path=ppt/ink/ink7.xml><?xml version="1.0" encoding="utf-8"?>
+<inkml:ink xmlns:inkml="http://www.w3.org/2003/InkML">
+  <inkml:definitions>
+    <inkml:context xml:id="ctx0">
+      <inkml:inkSource xml:id="inkSrc0">
+        <inkml:traceFormat>
+          <inkml:channel name="X" type="integer" min="-2.14748E9" max="2.14748E9" units="cm"/>
+          <inkml:channel name="Y" type="integer" min="-2.14748E9" max="2.14748E9" units="cm"/>
+        </inkml:traceFormat>
+        <inkml:channelProperties>
+          <inkml:channelProperty channel="X" name="resolution" value="1000" units="1/cm"/>
+          <inkml:channelProperty channel="Y" name="resolution" value="1000" units="1/cm"/>
+        </inkml:channelProperties>
+      </inkml:inkSource>
+      <inkml:timestamp xml:id="ts0" timeString="2023-01-12T11:48:36.049"/>
+    </inkml:context>
+    <inkml:brush xml:id="br0">
+      <inkml:brushProperty name="width" value="0.3" units="cm"/>
+      <inkml:brushProperty name="height" value="0.6" units="cm"/>
+      <inkml:brushProperty name="color" value="#FFFC00"/>
+      <inkml:brushProperty name="tip" value="rectangle"/>
+      <inkml:brushProperty name="rasterOp" value="maskPen"/>
+      <inkml:brushProperty name="ignorePressure" value="1"/>
+    </inkml:brush>
+  </inkml:definitions>
+  <inkml:trace contextRef="#ctx0" brushRef="#br0">7976 13396,'540'426,"-14"14,111 110,1416 1205,-1460-1276,-66-86,-69-87,-64-88,-298-172,141 45,-186-75,0-3,1-2,0-2,0-3,1-1,60-4,-65-5,0-1,0-3,0-2,-1-1,-1-3,81-36,-59 17,-2-3,91-66,-60 29,115-115,-84 57,-5-5,109-160,167-343,-62-41,-42-9,96-199,-295 698,9 5,194-261,-275 414,-5 9,-1 0,-1-2,26-50,-39 66,-1-1,1 1,-2-1,0 1,0-1,0 0,-1 1,-1-1,0 0,0 0,-1 0,0 1,0-1,-1 0,-1 1,-3-11,-4-3,-1 0,-1 0,-1 1,-1 1,-32-39,8 16,-53-48,-128-85,-122-45,-125-33,-106-4,188 112,-5 16,-6 18,-414-63,113 94,-76 73,-135 85,-105 83,-67 84,-63 105,-75 122,485-135,16 32,16 31,18 30,-1037 854,931-572,157-46,141-51,124-77,109-80,93-81,130-278,-22 109,44-153,3 1,2 0,3 0,1 0,10 100,-2-119,1 0,2 0,2-1,1 0,1 0,2-2,1 1,2-2,35 52,-20-43,1-1,1-2,3-1,63 48,183 105,-11-33,90 21,111 0,144-31,-387-111,280 6,-314-38,-1-9,286-45,-251 7,-3-9,396-150,-271 55,607-353,-519 223,600-492,589-769,79-473,23-394,-72-159,-122 44,-1100 1789,517-857,316-391,-127 479,-857 1176,406-356,-524 537,6 7,285-170,-354 248,2 5,3 4,213-65,-236 92,1 5,1 3,171-6,-176 22,0 3,158 28,-159-13,141 50,-158-44,-1 2,-1 3,-1 3,-2 3,88 66,-142-97,0 0,0 1,-1 0,1 0,-1 0,-1 1,1 0,-1 0,0 1,7 15,-8 3</inkml:trace>
+</inkml:ink>
 </file>
 
 <file path=ppt/slideLayouts/slideLayout1.xml><?xml version="1.0" encoding="utf-8"?>
@@ -834,7 +1031,7 @@
           <a:p>
             <a:fld id="{20207DAD-F1EC-42AE-BAEB-18013BD0A5BA}" type="datetimeFigureOut">
               <a:rPr lang="en-IN" smtClean="0"/>
-              <a:t>11-01-2023</a:t>
+              <a:t>12-01-2023</a:t>
             </a:fld>
             <a:endParaRPr lang="en-IN"/>
           </a:p>
@@ -1085,7 +1282,7 @@
           <a:p>
             <a:fld id="{20207DAD-F1EC-42AE-BAEB-18013BD0A5BA}" type="datetimeFigureOut">
               <a:rPr lang="en-IN" smtClean="0"/>
-              <a:t>11-01-2023</a:t>
+              <a:t>12-01-2023</a:t>
             </a:fld>
             <a:endParaRPr lang="en-IN"/>
           </a:p>
@@ -1399,7 +1596,7 @@
           <a:p>
             <a:fld id="{20207DAD-F1EC-42AE-BAEB-18013BD0A5BA}" type="datetimeFigureOut">
               <a:rPr lang="en-IN" smtClean="0"/>
-              <a:t>11-01-2023</a:t>
+              <a:t>12-01-2023</a:t>
             </a:fld>
             <a:endParaRPr lang="en-IN"/>
           </a:p>
@@ -1740,7 +1937,7 @@
           <a:p>
             <a:fld id="{20207DAD-F1EC-42AE-BAEB-18013BD0A5BA}" type="datetimeFigureOut">
               <a:rPr lang="en-IN" smtClean="0"/>
-              <a:t>11-01-2023</a:t>
+              <a:t>12-01-2023</a:t>
             </a:fld>
             <a:endParaRPr lang="en-IN"/>
           </a:p>
@@ -2054,7 +2251,7 @@
           <a:p>
             <a:fld id="{20207DAD-F1EC-42AE-BAEB-18013BD0A5BA}" type="datetimeFigureOut">
               <a:rPr lang="en-IN" smtClean="0"/>
-              <a:t>11-01-2023</a:t>
+              <a:t>12-01-2023</a:t>
             </a:fld>
             <a:endParaRPr lang="en-IN"/>
           </a:p>
@@ -2447,7 +2644,7 @@
           <a:p>
             <a:fld id="{20207DAD-F1EC-42AE-BAEB-18013BD0A5BA}" type="datetimeFigureOut">
               <a:rPr lang="en-IN" smtClean="0"/>
-              <a:t>11-01-2023</a:t>
+              <a:t>12-01-2023</a:t>
             </a:fld>
             <a:endParaRPr lang="en-IN"/>
           </a:p>
@@ -2617,7 +2814,7 @@
           <a:p>
             <a:fld id="{20207DAD-F1EC-42AE-BAEB-18013BD0A5BA}" type="datetimeFigureOut">
               <a:rPr lang="en-IN" smtClean="0"/>
-              <a:t>11-01-2023</a:t>
+              <a:t>12-01-2023</a:t>
             </a:fld>
             <a:endParaRPr lang="en-IN"/>
           </a:p>
@@ -2797,7 +2994,7 @@
           <a:p>
             <a:fld id="{20207DAD-F1EC-42AE-BAEB-18013BD0A5BA}" type="datetimeFigureOut">
               <a:rPr lang="en-IN" smtClean="0"/>
-              <a:t>11-01-2023</a:t>
+              <a:t>12-01-2023</a:t>
             </a:fld>
             <a:endParaRPr lang="en-IN"/>
           </a:p>
@@ -2973,7 +3170,7 @@
           <a:p>
             <a:fld id="{20207DAD-F1EC-42AE-BAEB-18013BD0A5BA}" type="datetimeFigureOut">
               <a:rPr lang="en-IN" smtClean="0"/>
-              <a:t>11-01-2023</a:t>
+              <a:t>12-01-2023</a:t>
             </a:fld>
             <a:endParaRPr lang="en-IN"/>
           </a:p>
@@ -3220,7 +3417,7 @@
           <a:p>
             <a:fld id="{20207DAD-F1EC-42AE-BAEB-18013BD0A5BA}" type="datetimeFigureOut">
               <a:rPr lang="en-IN" smtClean="0"/>
-              <a:t>11-01-2023</a:t>
+              <a:t>12-01-2023</a:t>
             </a:fld>
             <a:endParaRPr lang="en-IN"/>
           </a:p>
@@ -3452,7 +3649,7 @@
           <a:p>
             <a:fld id="{20207DAD-F1EC-42AE-BAEB-18013BD0A5BA}" type="datetimeFigureOut">
               <a:rPr lang="en-IN" smtClean="0"/>
-              <a:t>11-01-2023</a:t>
+              <a:t>12-01-2023</a:t>
             </a:fld>
             <a:endParaRPr lang="en-IN"/>
           </a:p>
@@ -3826,7 +4023,7 @@
           <a:p>
             <a:fld id="{20207DAD-F1EC-42AE-BAEB-18013BD0A5BA}" type="datetimeFigureOut">
               <a:rPr lang="en-IN" smtClean="0"/>
-              <a:t>11-01-2023</a:t>
+              <a:t>12-01-2023</a:t>
             </a:fld>
             <a:endParaRPr lang="en-IN"/>
           </a:p>
@@ -3949,7 +4146,7 @@
           <a:p>
             <a:fld id="{20207DAD-F1EC-42AE-BAEB-18013BD0A5BA}" type="datetimeFigureOut">
               <a:rPr lang="en-IN" smtClean="0"/>
-              <a:t>11-01-2023</a:t>
+              <a:t>12-01-2023</a:t>
             </a:fld>
             <a:endParaRPr lang="en-IN"/>
           </a:p>
@@ -4044,7 +4241,7 @@
           <a:p>
             <a:fld id="{20207DAD-F1EC-42AE-BAEB-18013BD0A5BA}" type="datetimeFigureOut">
               <a:rPr lang="en-IN" smtClean="0"/>
-              <a:t>11-01-2023</a:t>
+              <a:t>12-01-2023</a:t>
             </a:fld>
             <a:endParaRPr lang="en-IN"/>
           </a:p>
@@ -4299,7 +4496,7 @@
           <a:p>
             <a:fld id="{20207DAD-F1EC-42AE-BAEB-18013BD0A5BA}" type="datetimeFigureOut">
               <a:rPr lang="en-IN" smtClean="0"/>
-              <a:t>11-01-2023</a:t>
+              <a:t>12-01-2023</a:t>
             </a:fld>
             <a:endParaRPr lang="en-IN"/>
           </a:p>
@@ -4562,7 +4759,7 @@
           <a:p>
             <a:fld id="{20207DAD-F1EC-42AE-BAEB-18013BD0A5BA}" type="datetimeFigureOut">
               <a:rPr lang="en-IN" smtClean="0"/>
-              <a:t>11-01-2023</a:t>
+              <a:t>12-01-2023</a:t>
             </a:fld>
             <a:endParaRPr lang="en-IN"/>
           </a:p>
@@ -5305,7 +5502,7 @@
           <a:p>
             <a:fld id="{20207DAD-F1EC-42AE-BAEB-18013BD0A5BA}" type="datetimeFigureOut">
               <a:rPr lang="en-IN" smtClean="0"/>
-              <a:t>11-01-2023</a:t>
+              <a:t>12-01-2023</a:t>
             </a:fld>
             <a:endParaRPr lang="en-IN"/>
           </a:p>
@@ -5879,6 +6076,384 @@
           </a:p>
         </p:txBody>
       </p:sp>
+      <p:grpSp>
+        <p:nvGrpSpPr>
+          <p:cNvPr id="10" name="Group 9">
+            <a:extLst>
+              <a:ext uri="{FF2B5EF4-FFF2-40B4-BE49-F238E27FC236}">
+                <a16:creationId xmlns:a16="http://schemas.microsoft.com/office/drawing/2014/main" id="{58439064-E200-B268-2B82-CFCF32212520}"/>
+              </a:ext>
+            </a:extLst>
+          </p:cNvPr>
+          <p:cNvGrpSpPr/>
+          <p:nvPr/>
+        </p:nvGrpSpPr>
+        <p:grpSpPr>
+          <a:xfrm>
+            <a:off x="863925" y="-343749"/>
+            <a:ext cx="7416000" cy="4663800"/>
+            <a:chOff x="863925" y="-343749"/>
+            <a:chExt cx="7416000" cy="4663800"/>
+          </a:xfrm>
+        </p:grpSpPr>
+        <mc:AlternateContent xmlns:mc="http://schemas.openxmlformats.org/markup-compatibility/2006">
+          <mc:Choice xmlns:p14="http://schemas.microsoft.com/office/powerpoint/2010/main" Requires="p14">
+            <p:contentPart p14:bwMode="auto" r:id="rId2">
+              <p14:nvContentPartPr>
+                <p14:cNvPr id="4" name="Ink 3">
+                  <a:extLst>
+                    <a:ext uri="{FF2B5EF4-FFF2-40B4-BE49-F238E27FC236}">
+                      <a16:creationId xmlns:a16="http://schemas.microsoft.com/office/drawing/2014/main" id="{6A24DDE5-DC60-F7F9-1FF2-65DA5B41173E}"/>
+                    </a:ext>
+                  </a:extLst>
+                </p14:cNvPr>
+                <p14:cNvContentPartPr/>
+                <p14:nvPr/>
+              </p14:nvContentPartPr>
+              <p14:xfrm>
+                <a:off x="863925" y="984291"/>
+                <a:ext cx="1828080" cy="2158200"/>
+              </p14:xfrm>
+            </p:contentPart>
+          </mc:Choice>
+          <mc:Fallback>
+            <p:pic>
+              <p:nvPicPr>
+                <p:cNvPr id="4" name="Ink 3">
+                  <a:extLst>
+                    <a:ext uri="{FF2B5EF4-FFF2-40B4-BE49-F238E27FC236}">
+                      <a16:creationId xmlns:a16="http://schemas.microsoft.com/office/drawing/2014/main" id="{6A24DDE5-DC60-F7F9-1FF2-65DA5B41173E}"/>
+                    </a:ext>
+                  </a:extLst>
+                </p:cNvPr>
+                <p:cNvPicPr/>
+                <p:nvPr/>
+              </p:nvPicPr>
+              <p:blipFill>
+                <a:blip r:embed="rId3"/>
+                <a:stretch>
+                  <a:fillRect/>
+                </a:stretch>
+              </p:blipFill>
+              <p:spPr>
+                <a:xfrm>
+                  <a:off x="855285" y="975651"/>
+                  <a:ext cx="1845720" cy="2175840"/>
+                </a:xfrm>
+                <a:prstGeom prst="rect">
+                  <a:avLst/>
+                </a:prstGeom>
+              </p:spPr>
+            </p:pic>
+          </mc:Fallback>
+        </mc:AlternateContent>
+        <mc:AlternateContent xmlns:mc="http://schemas.openxmlformats.org/markup-compatibility/2006">
+          <mc:Choice xmlns:p14="http://schemas.microsoft.com/office/powerpoint/2010/main" Requires="p14">
+            <p:contentPart p14:bwMode="auto" r:id="rId4">
+              <p14:nvContentPartPr>
+                <p14:cNvPr id="5" name="Ink 4">
+                  <a:extLst>
+                    <a:ext uri="{FF2B5EF4-FFF2-40B4-BE49-F238E27FC236}">
+                      <a16:creationId xmlns:a16="http://schemas.microsoft.com/office/drawing/2014/main" id="{E784EF21-87B2-E70D-C7CD-518274D76E26}"/>
+                    </a:ext>
+                  </a:extLst>
+                </p14:cNvPr>
+                <p14:cNvContentPartPr/>
+                <p14:nvPr/>
+              </p14:nvContentPartPr>
+              <p14:xfrm>
+                <a:off x="1898925" y="605211"/>
+                <a:ext cx="2649240" cy="1585440"/>
+              </p14:xfrm>
+            </p:contentPart>
+          </mc:Choice>
+          <mc:Fallback>
+            <p:pic>
+              <p:nvPicPr>
+                <p:cNvPr id="5" name="Ink 4">
+                  <a:extLst>
+                    <a:ext uri="{FF2B5EF4-FFF2-40B4-BE49-F238E27FC236}">
+                      <a16:creationId xmlns:a16="http://schemas.microsoft.com/office/drawing/2014/main" id="{E784EF21-87B2-E70D-C7CD-518274D76E26}"/>
+                    </a:ext>
+                  </a:extLst>
+                </p:cNvPr>
+                <p:cNvPicPr/>
+                <p:nvPr/>
+              </p:nvPicPr>
+              <p:blipFill>
+                <a:blip r:embed="rId5"/>
+                <a:stretch>
+                  <a:fillRect/>
+                </a:stretch>
+              </p:blipFill>
+              <p:spPr>
+                <a:xfrm>
+                  <a:off x="1889925" y="596211"/>
+                  <a:ext cx="2666880" cy="1603080"/>
+                </a:xfrm>
+                <a:prstGeom prst="rect">
+                  <a:avLst/>
+                </a:prstGeom>
+              </p:spPr>
+            </p:pic>
+          </mc:Fallback>
+        </mc:AlternateContent>
+        <mc:AlternateContent xmlns:mc="http://schemas.openxmlformats.org/markup-compatibility/2006">
+          <mc:Choice xmlns:p14="http://schemas.microsoft.com/office/powerpoint/2010/main" Requires="p14">
+            <p:contentPart p14:bwMode="auto" r:id="rId6">
+              <p14:nvContentPartPr>
+                <p14:cNvPr id="6" name="Ink 5">
+                  <a:extLst>
+                    <a:ext uri="{FF2B5EF4-FFF2-40B4-BE49-F238E27FC236}">
+                      <a16:creationId xmlns:a16="http://schemas.microsoft.com/office/drawing/2014/main" id="{2DC048C3-0871-7D60-FA4B-CC772BCC7CE5}"/>
+                    </a:ext>
+                  </a:extLst>
+                </p14:cNvPr>
+                <p14:cNvContentPartPr/>
+                <p14:nvPr/>
+              </p14:nvContentPartPr>
+              <p14:xfrm>
+                <a:off x="3689205" y="1085811"/>
+                <a:ext cx="963360" cy="1257120"/>
+              </p14:xfrm>
+            </p:contentPart>
+          </mc:Choice>
+          <mc:Fallback>
+            <p:pic>
+              <p:nvPicPr>
+                <p:cNvPr id="6" name="Ink 5">
+                  <a:extLst>
+                    <a:ext uri="{FF2B5EF4-FFF2-40B4-BE49-F238E27FC236}">
+                      <a16:creationId xmlns:a16="http://schemas.microsoft.com/office/drawing/2014/main" id="{2DC048C3-0871-7D60-FA4B-CC772BCC7CE5}"/>
+                    </a:ext>
+                  </a:extLst>
+                </p:cNvPr>
+                <p:cNvPicPr/>
+                <p:nvPr/>
+              </p:nvPicPr>
+              <p:blipFill>
+                <a:blip r:embed="rId7"/>
+                <a:stretch>
+                  <a:fillRect/>
+                </a:stretch>
+              </p:blipFill>
+              <p:spPr>
+                <a:xfrm>
+                  <a:off x="3680205" y="1076811"/>
+                  <a:ext cx="981000" cy="1274760"/>
+                </a:xfrm>
+                <a:prstGeom prst="rect">
+                  <a:avLst/>
+                </a:prstGeom>
+              </p:spPr>
+            </p:pic>
+          </mc:Fallback>
+        </mc:AlternateContent>
+        <mc:AlternateContent xmlns:mc="http://schemas.openxmlformats.org/markup-compatibility/2006">
+          <mc:Choice xmlns:p14="http://schemas.microsoft.com/office/powerpoint/2010/main" Requires="p14">
+            <p:contentPart p14:bwMode="auto" r:id="rId8">
+              <p14:nvContentPartPr>
+                <p14:cNvPr id="8" name="Ink 7">
+                  <a:extLst>
+                    <a:ext uri="{FF2B5EF4-FFF2-40B4-BE49-F238E27FC236}">
+                      <a16:creationId xmlns:a16="http://schemas.microsoft.com/office/drawing/2014/main" id="{93744832-75D5-31F7-1E6E-9E46A454B74E}"/>
+                    </a:ext>
+                  </a:extLst>
+                </p14:cNvPr>
+                <p14:cNvContentPartPr/>
+                <p14:nvPr/>
+              </p14:nvContentPartPr>
+              <p14:xfrm>
+                <a:off x="4898445" y="1198851"/>
+                <a:ext cx="1087200" cy="1080720"/>
+              </p14:xfrm>
+            </p:contentPart>
+          </mc:Choice>
+          <mc:Fallback>
+            <p:pic>
+              <p:nvPicPr>
+                <p:cNvPr id="8" name="Ink 7">
+                  <a:extLst>
+                    <a:ext uri="{FF2B5EF4-FFF2-40B4-BE49-F238E27FC236}">
+                      <a16:creationId xmlns:a16="http://schemas.microsoft.com/office/drawing/2014/main" id="{93744832-75D5-31F7-1E6E-9E46A454B74E}"/>
+                    </a:ext>
+                  </a:extLst>
+                </p:cNvPr>
+                <p:cNvPicPr/>
+                <p:nvPr/>
+              </p:nvPicPr>
+              <p:blipFill>
+                <a:blip r:embed="rId9"/>
+                <a:stretch>
+                  <a:fillRect/>
+                </a:stretch>
+              </p:blipFill>
+              <p:spPr>
+                <a:xfrm>
+                  <a:off x="4889805" y="1189851"/>
+                  <a:ext cx="1104840" cy="1098360"/>
+                </a:xfrm>
+                <a:prstGeom prst="rect">
+                  <a:avLst/>
+                </a:prstGeom>
+              </p:spPr>
+            </p:pic>
+          </mc:Fallback>
+        </mc:AlternateContent>
+        <mc:AlternateContent xmlns:mc="http://schemas.openxmlformats.org/markup-compatibility/2006">
+          <mc:Choice xmlns:p14="http://schemas.microsoft.com/office/powerpoint/2010/main" Requires="p14">
+            <p:contentPart p14:bwMode="auto" r:id="rId10">
+              <p14:nvContentPartPr>
+                <p14:cNvPr id="9" name="Ink 8">
+                  <a:extLst>
+                    <a:ext uri="{FF2B5EF4-FFF2-40B4-BE49-F238E27FC236}">
+                      <a16:creationId xmlns:a16="http://schemas.microsoft.com/office/drawing/2014/main" id="{E400E78C-8068-6DAB-11DE-873821B64F04}"/>
+                    </a:ext>
+                  </a:extLst>
+                </p14:cNvPr>
+                <p14:cNvContentPartPr/>
+                <p14:nvPr/>
+              </p14:nvContentPartPr>
+              <p14:xfrm>
+                <a:off x="2443965" y="-343749"/>
+                <a:ext cx="5835960" cy="4663800"/>
+              </p14:xfrm>
+            </p:contentPart>
+          </mc:Choice>
+          <mc:Fallback>
+            <p:pic>
+              <p:nvPicPr>
+                <p:cNvPr id="9" name="Ink 8">
+                  <a:extLst>
+                    <a:ext uri="{FF2B5EF4-FFF2-40B4-BE49-F238E27FC236}">
+                      <a16:creationId xmlns:a16="http://schemas.microsoft.com/office/drawing/2014/main" id="{E400E78C-8068-6DAB-11DE-873821B64F04}"/>
+                    </a:ext>
+                  </a:extLst>
+                </p:cNvPr>
+                <p:cNvPicPr/>
+                <p:nvPr/>
+              </p:nvPicPr>
+              <p:blipFill>
+                <a:blip r:embed="rId11"/>
+                <a:stretch>
+                  <a:fillRect/>
+                </a:stretch>
+              </p:blipFill>
+              <p:spPr>
+                <a:xfrm>
+                  <a:off x="2435325" y="-352749"/>
+                  <a:ext cx="5853600" cy="4681440"/>
+                </a:xfrm>
+                <a:prstGeom prst="rect">
+                  <a:avLst/>
+                </a:prstGeom>
+              </p:spPr>
+            </p:pic>
+          </mc:Fallback>
+        </mc:AlternateContent>
+      </p:grpSp>
+      <mc:AlternateContent xmlns:mc="http://schemas.openxmlformats.org/markup-compatibility/2006">
+        <mc:Choice xmlns:p14="http://schemas.microsoft.com/office/powerpoint/2010/main" xmlns:aink="http://schemas.microsoft.com/office/drawing/2016/ink" Requires="p14 aink">
+          <p:contentPart p14:bwMode="auto" r:id="rId12">
+            <p14:nvContentPartPr>
+              <p14:cNvPr id="11" name="Ink 10">
+                <a:extLst>
+                  <a:ext uri="{FF2B5EF4-FFF2-40B4-BE49-F238E27FC236}">
+                    <a16:creationId xmlns:a16="http://schemas.microsoft.com/office/drawing/2014/main" id="{3C83B69F-BE65-D4C8-0A6E-6C506B9B90E9}"/>
+                  </a:ext>
+                </a:extLst>
+              </p14:cNvPr>
+              <p14:cNvContentPartPr/>
+              <p14:nvPr/>
+            </p14:nvContentPartPr>
+            <p14:xfrm>
+              <a:off x="404565" y="-447334"/>
+              <a:ext cx="6211800" cy="5972040"/>
+            </p14:xfrm>
+          </p:contentPart>
+        </mc:Choice>
+        <mc:Fallback>
+          <p:pic>
+            <p:nvPicPr>
+              <p:cNvPr id="11" name="Ink 10">
+                <a:extLst>
+                  <a:ext uri="{FF2B5EF4-FFF2-40B4-BE49-F238E27FC236}">
+                    <a16:creationId xmlns:a16="http://schemas.microsoft.com/office/drawing/2014/main" id="{3C83B69F-BE65-D4C8-0A6E-6C506B9B90E9}"/>
+                  </a:ext>
+                </a:extLst>
+              </p:cNvPr>
+              <p:cNvPicPr/>
+              <p:nvPr/>
+            </p:nvPicPr>
+            <p:blipFill>
+              <a:blip r:embed="rId13"/>
+              <a:stretch>
+                <a:fillRect/>
+              </a:stretch>
+            </p:blipFill>
+            <p:spPr>
+              <a:xfrm>
+                <a:off x="386565" y="-555334"/>
+                <a:ext cx="6247440" cy="6187680"/>
+              </a:xfrm>
+              <a:prstGeom prst="rect">
+                <a:avLst/>
+              </a:prstGeom>
+            </p:spPr>
+          </p:pic>
+        </mc:Fallback>
+      </mc:AlternateContent>
+      <mc:AlternateContent xmlns:mc="http://schemas.openxmlformats.org/markup-compatibility/2006">
+        <mc:Choice xmlns:p14="http://schemas.microsoft.com/office/powerpoint/2010/main" Requires="p14">
+          <p:contentPart p14:bwMode="auto" r:id="rId14">
+            <p14:nvContentPartPr>
+              <p14:cNvPr id="12" name="Ink 11">
+                <a:extLst>
+                  <a:ext uri="{FF2B5EF4-FFF2-40B4-BE49-F238E27FC236}">
+                    <a16:creationId xmlns:a16="http://schemas.microsoft.com/office/drawing/2014/main" id="{0AC312A2-D21A-39F1-6503-F0D2C8FAB00E}"/>
+                  </a:ext>
+                </a:extLst>
+              </p14:cNvPr>
+              <p14:cNvContentPartPr/>
+              <p14:nvPr/>
+            </p14:nvContentPartPr>
+            <p14:xfrm>
+              <a:off x="-1373835" y="-3204934"/>
+              <a:ext cx="8697960" cy="7505280"/>
+            </p14:xfrm>
+          </p:contentPart>
+        </mc:Choice>
+        <mc:Fallback>
+          <p:pic>
+            <p:nvPicPr>
+              <p:cNvPr id="12" name="Ink 11">
+                <a:extLst>
+                  <a:ext uri="{FF2B5EF4-FFF2-40B4-BE49-F238E27FC236}">
+                    <a16:creationId xmlns:a16="http://schemas.microsoft.com/office/drawing/2014/main" id="{0AC312A2-D21A-39F1-6503-F0D2C8FAB00E}"/>
+                  </a:ext>
+                </a:extLst>
+              </p:cNvPr>
+              <p:cNvPicPr/>
+              <p:nvPr/>
+            </p:nvPicPr>
+            <p:blipFill>
+              <a:blip r:embed="rId15"/>
+              <a:stretch>
+                <a:fillRect/>
+              </a:stretch>
+            </p:blipFill>
+            <p:spPr>
+              <a:xfrm>
+                <a:off x="-1427835" y="-3312934"/>
+                <a:ext cx="8805600" cy="7720920"/>
+              </a:xfrm>
+              <a:prstGeom prst="rect">
+                <a:avLst/>
+              </a:prstGeom>
+            </p:spPr>
+          </p:pic>
+        </mc:Fallback>
+      </mc:AlternateContent>
     </p:spTree>
     <p:extLst>
       <p:ext uri="{BB962C8B-B14F-4D97-AF65-F5344CB8AC3E}">
